--- a/powerpoint/presentation.pptx
+++ b/powerpoint/presentation.pptx
@@ -336,6 +336,11 @@
       </a:defRPr>
     </a:lvl9pPr>
   </p:defaultTextStyle>
+  <p:extLst>
+    <p:ext uri="{EFAFB233-063F-42B5-8137-9DF3F51BA10A}">
+      <p15:sldGuideLst xmlns:p15="http://schemas.microsoft.com/office/powerpoint/2012/main"/>
+    </p:ext>
+  </p:extLst>
 </p:presentation>
 </file>
 
@@ -1273,7 +1278,7 @@
           </a:ln>
           <a:extLst>
             <a:ext uri="{C572A759-6A51-4108-AA02-DFA0A04FC94B}">
-              <ma14:wrappingTextBoxFlag xmlns:ma14="http://schemas.microsoft.com/office/mac/drawingml/2011/main" xmlns:a14="http://schemas.microsoft.com/office/drawing/2010/main" xmlns:m="http://schemas.openxmlformats.org/officeDocument/2006/math" xmlns="" val="1"/>
+              <ma14:wrappingTextBoxFlag xmlns="" xmlns:m="http://schemas.openxmlformats.org/officeDocument/2006/math" xmlns:a14="http://schemas.microsoft.com/office/drawing/2010/main" xmlns:ma14="http://schemas.microsoft.com/office/mac/drawingml/2011/main" val="1"/>
             </a:ext>
           </a:extLst>
         </p:spPr>
@@ -5180,7 +5185,7 @@
           </a:ln>
           <a:extLst>
             <a:ext uri="{C572A759-6A51-4108-AA02-DFA0A04FC94B}">
-              <ma14:wrappingTextBoxFlag xmlns:ma14="http://schemas.microsoft.com/office/mac/drawingml/2011/main" xmlns:a14="http://schemas.microsoft.com/office/drawing/2010/main" xmlns:m="http://schemas.openxmlformats.org/officeDocument/2006/math" xmlns="" val="1"/>
+              <ma14:wrappingTextBoxFlag xmlns="" xmlns:m="http://schemas.openxmlformats.org/officeDocument/2006/math" xmlns:a14="http://schemas.microsoft.com/office/drawing/2010/main" xmlns:ma14="http://schemas.microsoft.com/office/mac/drawingml/2011/main" val="1"/>
             </a:ext>
           </a:extLst>
         </p:spPr>
@@ -11183,7 +11188,7 @@
           </a:ln>
           <a:extLst>
             <a:ext uri="{C572A759-6A51-4108-AA02-DFA0A04FC94B}">
-              <ma14:wrappingTextBoxFlag xmlns:ma14="http://schemas.microsoft.com/office/mac/drawingml/2011/main" xmlns:a14="http://schemas.microsoft.com/office/drawing/2010/main" xmlns:m="http://schemas.openxmlformats.org/officeDocument/2006/math" xmlns="" val="1"/>
+              <ma14:wrappingTextBoxFlag xmlns="" xmlns:m="http://schemas.openxmlformats.org/officeDocument/2006/math" xmlns:a14="http://schemas.microsoft.com/office/drawing/2010/main" xmlns:ma14="http://schemas.microsoft.com/office/mac/drawingml/2011/main" val="1"/>
             </a:ext>
           </a:extLst>
         </p:spPr>
@@ -16647,7 +16652,7 @@
           </a:ln>
           <a:extLst>
             <a:ext uri="{C572A759-6A51-4108-AA02-DFA0A04FC94B}">
-              <ma14:wrappingTextBoxFlag xmlns:ma14="http://schemas.microsoft.com/office/mac/drawingml/2011/main" xmlns:a14="http://schemas.microsoft.com/office/drawing/2010/main" xmlns:m="http://schemas.openxmlformats.org/officeDocument/2006/math" xmlns="" val="1"/>
+              <ma14:wrappingTextBoxFlag xmlns="" xmlns:m="http://schemas.openxmlformats.org/officeDocument/2006/math" xmlns:a14="http://schemas.microsoft.com/office/drawing/2010/main" xmlns:ma14="http://schemas.microsoft.com/office/mac/drawingml/2011/main" val="1"/>
             </a:ext>
           </a:extLst>
         </p:spPr>
@@ -16686,7 +16691,7 @@
           </a:ln>
           <a:extLst>
             <a:ext uri="{C572A759-6A51-4108-AA02-DFA0A04FC94B}">
-              <ma14:wrappingTextBoxFlag xmlns:ma14="http://schemas.microsoft.com/office/mac/drawingml/2011/main" xmlns:a14="http://schemas.microsoft.com/office/drawing/2010/main" xmlns:m="http://schemas.openxmlformats.org/officeDocument/2006/math" xmlns="" val="1"/>
+              <ma14:wrappingTextBoxFlag xmlns="" xmlns:m="http://schemas.openxmlformats.org/officeDocument/2006/math" xmlns:a14="http://schemas.microsoft.com/office/drawing/2010/main" xmlns:ma14="http://schemas.microsoft.com/office/mac/drawingml/2011/main" val="1"/>
             </a:ext>
           </a:extLst>
         </p:spPr>
@@ -17608,7 +17613,7 @@
           </a:ln>
           <a:extLst>
             <a:ext uri="{C572A759-6A51-4108-AA02-DFA0A04FC94B}">
-              <ma14:wrappingTextBoxFlag xmlns:ma14="http://schemas.microsoft.com/office/mac/drawingml/2011/main" xmlns:a14="http://schemas.microsoft.com/office/drawing/2010/main" xmlns:m="http://schemas.openxmlformats.org/officeDocument/2006/math" xmlns="" val="1"/>
+              <ma14:wrappingTextBoxFlag xmlns="" xmlns:m="http://schemas.openxmlformats.org/officeDocument/2006/math" xmlns:a14="http://schemas.microsoft.com/office/drawing/2010/main" xmlns:ma14="http://schemas.microsoft.com/office/mac/drawingml/2011/main" val="1"/>
             </a:ext>
           </a:extLst>
         </p:spPr>
@@ -17647,7 +17652,7 @@
           </a:ln>
           <a:extLst>
             <a:ext uri="{C572A759-6A51-4108-AA02-DFA0A04FC94B}">
-              <ma14:wrappingTextBoxFlag xmlns:ma14="http://schemas.microsoft.com/office/mac/drawingml/2011/main" xmlns:a14="http://schemas.microsoft.com/office/drawing/2010/main" xmlns:m="http://schemas.openxmlformats.org/officeDocument/2006/math" xmlns="" val="1"/>
+              <ma14:wrappingTextBoxFlag xmlns="" xmlns:m="http://schemas.openxmlformats.org/officeDocument/2006/math" xmlns:a14="http://schemas.microsoft.com/office/drawing/2010/main" xmlns:ma14="http://schemas.microsoft.com/office/mac/drawingml/2011/main" val="1"/>
             </a:ext>
           </a:extLst>
         </p:spPr>
@@ -18574,7 +18579,7 @@
           </a:ln>
           <a:extLst>
             <a:ext uri="{C572A759-6A51-4108-AA02-DFA0A04FC94B}">
-              <ma14:wrappingTextBoxFlag xmlns:ma14="http://schemas.microsoft.com/office/mac/drawingml/2011/main" xmlns:a14="http://schemas.microsoft.com/office/drawing/2010/main" xmlns:m="http://schemas.openxmlformats.org/officeDocument/2006/math" xmlns="" val="1"/>
+              <ma14:wrappingTextBoxFlag xmlns="" xmlns:m="http://schemas.openxmlformats.org/officeDocument/2006/math" xmlns:a14="http://schemas.microsoft.com/office/drawing/2010/main" xmlns:ma14="http://schemas.microsoft.com/office/mac/drawingml/2011/main" val="1"/>
             </a:ext>
           </a:extLst>
         </p:spPr>
@@ -18613,7 +18618,7 @@
           </a:ln>
           <a:extLst>
             <a:ext uri="{C572A759-6A51-4108-AA02-DFA0A04FC94B}">
-              <ma14:wrappingTextBoxFlag xmlns:ma14="http://schemas.microsoft.com/office/mac/drawingml/2011/main" xmlns:a14="http://schemas.microsoft.com/office/drawing/2010/main" xmlns:m="http://schemas.openxmlformats.org/officeDocument/2006/math" xmlns="" val="1"/>
+              <ma14:wrappingTextBoxFlag xmlns="" xmlns:m="http://schemas.openxmlformats.org/officeDocument/2006/math" xmlns:a14="http://schemas.microsoft.com/office/drawing/2010/main" xmlns:ma14="http://schemas.microsoft.com/office/mac/drawingml/2011/main" val="1"/>
             </a:ext>
           </a:extLst>
         </p:spPr>
@@ -19799,7 +19804,7 @@
           </a:ln>
           <a:extLst>
             <a:ext uri="{C572A759-6A51-4108-AA02-DFA0A04FC94B}">
-              <ma14:wrappingTextBoxFlag xmlns:ma14="http://schemas.microsoft.com/office/mac/drawingml/2011/main" xmlns:a14="http://schemas.microsoft.com/office/drawing/2010/main" xmlns:m="http://schemas.openxmlformats.org/officeDocument/2006/math" xmlns="" val="1"/>
+              <ma14:wrappingTextBoxFlag xmlns="" xmlns:m="http://schemas.openxmlformats.org/officeDocument/2006/math" xmlns:a14="http://schemas.microsoft.com/office/drawing/2010/main" xmlns:ma14="http://schemas.microsoft.com/office/mac/drawingml/2011/main" val="1"/>
             </a:ext>
           </a:extLst>
         </p:spPr>
@@ -19931,7 +19936,7 @@
           </a:ln>
           <a:extLst>
             <a:ext uri="{C572A759-6A51-4108-AA02-DFA0A04FC94B}">
-              <ma14:wrappingTextBoxFlag xmlns:ma14="http://schemas.microsoft.com/office/mac/drawingml/2011/main" xmlns:a14="http://schemas.microsoft.com/office/drawing/2010/main" xmlns:m="http://schemas.openxmlformats.org/officeDocument/2006/math" xmlns="" val="1"/>
+              <ma14:wrappingTextBoxFlag xmlns="" xmlns:m="http://schemas.openxmlformats.org/officeDocument/2006/math" xmlns:a14="http://schemas.microsoft.com/office/drawing/2010/main" xmlns:ma14="http://schemas.microsoft.com/office/mac/drawingml/2011/main" val="1"/>
             </a:ext>
           </a:extLst>
         </p:spPr>
@@ -19980,7 +19985,7 @@
           </a:ln>
           <a:extLst>
             <a:ext uri="{C572A759-6A51-4108-AA02-DFA0A04FC94B}">
-              <ma14:wrappingTextBoxFlag xmlns:ma14="http://schemas.microsoft.com/office/mac/drawingml/2011/main" xmlns:a14="http://schemas.microsoft.com/office/drawing/2010/main" xmlns:m="http://schemas.openxmlformats.org/officeDocument/2006/math" xmlns="" val="1"/>
+              <ma14:wrappingTextBoxFlag xmlns="" xmlns:m="http://schemas.openxmlformats.org/officeDocument/2006/math" xmlns:a14="http://schemas.microsoft.com/office/drawing/2010/main" xmlns:ma14="http://schemas.microsoft.com/office/mac/drawingml/2011/main" val="1"/>
             </a:ext>
           </a:extLst>
         </p:spPr>
@@ -20027,7 +20032,7 @@
           </a:ln>
           <a:extLst>
             <a:ext uri="{C572A759-6A51-4108-AA02-DFA0A04FC94B}">
-              <ma14:wrappingTextBoxFlag xmlns:ma14="http://schemas.microsoft.com/office/mac/drawingml/2011/main" xmlns:a14="http://schemas.microsoft.com/office/drawing/2010/main" xmlns:m="http://schemas.openxmlformats.org/officeDocument/2006/math" xmlns="" val="1"/>
+              <ma14:wrappingTextBoxFlag xmlns="" xmlns:m="http://schemas.openxmlformats.org/officeDocument/2006/math" xmlns:a14="http://schemas.microsoft.com/office/drawing/2010/main" xmlns:ma14="http://schemas.microsoft.com/office/mac/drawingml/2011/main" val="1"/>
             </a:ext>
           </a:extLst>
         </p:spPr>
@@ -20076,7 +20081,7 @@
           </a:ln>
           <a:extLst>
             <a:ext uri="{C572A759-6A51-4108-AA02-DFA0A04FC94B}">
-              <ma14:wrappingTextBoxFlag xmlns:ma14="http://schemas.microsoft.com/office/mac/drawingml/2011/main" xmlns:a14="http://schemas.microsoft.com/office/drawing/2010/main" xmlns:m="http://schemas.openxmlformats.org/officeDocument/2006/math" xmlns="" val="1"/>
+              <ma14:wrappingTextBoxFlag xmlns="" xmlns:m="http://schemas.openxmlformats.org/officeDocument/2006/math" xmlns:a14="http://schemas.microsoft.com/office/drawing/2010/main" xmlns:ma14="http://schemas.microsoft.com/office/mac/drawingml/2011/main" val="1"/>
             </a:ext>
           </a:extLst>
         </p:spPr>
@@ -20123,7 +20128,7 @@
           </a:ln>
           <a:extLst>
             <a:ext uri="{C572A759-6A51-4108-AA02-DFA0A04FC94B}">
-              <ma14:wrappingTextBoxFlag xmlns:ma14="http://schemas.microsoft.com/office/mac/drawingml/2011/main" xmlns:a14="http://schemas.microsoft.com/office/drawing/2010/main" xmlns:m="http://schemas.openxmlformats.org/officeDocument/2006/math" xmlns="" val="1"/>
+              <ma14:wrappingTextBoxFlag xmlns="" xmlns:m="http://schemas.openxmlformats.org/officeDocument/2006/math" xmlns:a14="http://schemas.microsoft.com/office/drawing/2010/main" xmlns:ma14="http://schemas.microsoft.com/office/mac/drawingml/2011/main" val="1"/>
             </a:ext>
           </a:extLst>
         </p:spPr>
@@ -20170,7 +20175,7 @@
           </a:ln>
           <a:extLst>
             <a:ext uri="{C572A759-6A51-4108-AA02-DFA0A04FC94B}">
-              <ma14:wrappingTextBoxFlag xmlns:ma14="http://schemas.microsoft.com/office/mac/drawingml/2011/main" xmlns:a14="http://schemas.microsoft.com/office/drawing/2010/main" xmlns:m="http://schemas.openxmlformats.org/officeDocument/2006/math" xmlns="" val="1"/>
+              <ma14:wrappingTextBoxFlag xmlns="" xmlns:m="http://schemas.openxmlformats.org/officeDocument/2006/math" xmlns:a14="http://schemas.microsoft.com/office/drawing/2010/main" xmlns:ma14="http://schemas.microsoft.com/office/mac/drawingml/2011/main" val="1"/>
             </a:ext>
           </a:extLst>
         </p:spPr>
@@ -20309,7 +20314,7 @@
           </a:ln>
           <a:extLst>
             <a:ext uri="{C572A759-6A51-4108-AA02-DFA0A04FC94B}">
-              <ma14:wrappingTextBoxFlag xmlns:ma14="http://schemas.microsoft.com/office/mac/drawingml/2011/main" xmlns:a14="http://schemas.microsoft.com/office/drawing/2010/main" xmlns:m="http://schemas.openxmlformats.org/officeDocument/2006/math" xmlns="" val="1"/>
+              <ma14:wrappingTextBoxFlag xmlns="" xmlns:m="http://schemas.openxmlformats.org/officeDocument/2006/math" xmlns:a14="http://schemas.microsoft.com/office/drawing/2010/main" xmlns:ma14="http://schemas.microsoft.com/office/mac/drawingml/2011/main" val="1"/>
             </a:ext>
           </a:extLst>
         </p:spPr>
@@ -20480,7 +20485,7 @@
           </a:ln>
           <a:extLst>
             <a:ext uri="{C572A759-6A51-4108-AA02-DFA0A04FC94B}">
-              <ma14:wrappingTextBoxFlag xmlns:ma14="http://schemas.microsoft.com/office/mac/drawingml/2011/main" xmlns:a14="http://schemas.microsoft.com/office/drawing/2010/main" xmlns:m="http://schemas.openxmlformats.org/officeDocument/2006/math" xmlns="" val="1"/>
+              <ma14:wrappingTextBoxFlag xmlns="" xmlns:m="http://schemas.openxmlformats.org/officeDocument/2006/math" xmlns:a14="http://schemas.microsoft.com/office/drawing/2010/main" xmlns:ma14="http://schemas.microsoft.com/office/mac/drawingml/2011/main" val="1"/>
             </a:ext>
           </a:extLst>
         </p:spPr>
@@ -20527,7 +20532,7 @@
           </a:ln>
           <a:extLst>
             <a:ext uri="{C572A759-6A51-4108-AA02-DFA0A04FC94B}">
-              <ma14:wrappingTextBoxFlag xmlns:ma14="http://schemas.microsoft.com/office/mac/drawingml/2011/main" xmlns:a14="http://schemas.microsoft.com/office/drawing/2010/main" xmlns:m="http://schemas.openxmlformats.org/officeDocument/2006/math" xmlns="" val="1"/>
+              <ma14:wrappingTextBoxFlag xmlns="" xmlns:m="http://schemas.openxmlformats.org/officeDocument/2006/math" xmlns:a14="http://schemas.microsoft.com/office/drawing/2010/main" xmlns:ma14="http://schemas.microsoft.com/office/mac/drawingml/2011/main" val="1"/>
             </a:ext>
           </a:extLst>
         </p:spPr>
@@ -20579,7 +20584,7 @@
           </a:ln>
           <a:extLst>
             <a:ext uri="{C572A759-6A51-4108-AA02-DFA0A04FC94B}">
-              <ma14:wrappingTextBoxFlag xmlns:ma14="http://schemas.microsoft.com/office/mac/drawingml/2011/main" xmlns:a14="http://schemas.microsoft.com/office/drawing/2010/main" xmlns:m="http://schemas.openxmlformats.org/officeDocument/2006/math" xmlns="" val="1"/>
+              <ma14:wrappingTextBoxFlag xmlns="" xmlns:m="http://schemas.openxmlformats.org/officeDocument/2006/math" xmlns:a14="http://schemas.microsoft.com/office/drawing/2010/main" xmlns:ma14="http://schemas.microsoft.com/office/mac/drawingml/2011/main" val="1"/>
             </a:ext>
           </a:extLst>
         </p:spPr>
@@ -20866,7 +20871,7 @@
           </a:ln>
           <a:extLst>
             <a:ext uri="{C572A759-6A51-4108-AA02-DFA0A04FC94B}">
-              <ma14:wrappingTextBoxFlag xmlns:ma14="http://schemas.microsoft.com/office/mac/drawingml/2011/main" xmlns:a14="http://schemas.microsoft.com/office/drawing/2010/main" xmlns:m="http://schemas.openxmlformats.org/officeDocument/2006/math" xmlns="" val="1"/>
+              <ma14:wrappingTextBoxFlag xmlns="" xmlns:m="http://schemas.openxmlformats.org/officeDocument/2006/math" xmlns:a14="http://schemas.microsoft.com/office/drawing/2010/main" xmlns:ma14="http://schemas.microsoft.com/office/mac/drawingml/2011/main" val="1"/>
             </a:ext>
           </a:extLst>
         </p:spPr>
@@ -20969,7 +20974,7 @@
           </a:ln>
           <a:extLst>
             <a:ext uri="{C572A759-6A51-4108-AA02-DFA0A04FC94B}">
-              <ma14:wrappingTextBoxFlag xmlns:ma14="http://schemas.microsoft.com/office/mac/drawingml/2011/main" xmlns:a14="http://schemas.microsoft.com/office/drawing/2010/main" xmlns:m="http://schemas.openxmlformats.org/officeDocument/2006/math" xmlns="" val="1"/>
+              <ma14:wrappingTextBoxFlag xmlns="" xmlns:m="http://schemas.openxmlformats.org/officeDocument/2006/math" xmlns:a14="http://schemas.microsoft.com/office/drawing/2010/main" xmlns:ma14="http://schemas.microsoft.com/office/mac/drawingml/2011/main" val="1"/>
             </a:ext>
           </a:extLst>
         </p:spPr>
@@ -21047,7 +21052,7 @@
           </a:ln>
           <a:extLst>
             <a:ext uri="{C572A759-6A51-4108-AA02-DFA0A04FC94B}">
-              <ma14:wrappingTextBoxFlag xmlns:ma14="http://schemas.microsoft.com/office/mac/drawingml/2011/main" xmlns:a14="http://schemas.microsoft.com/office/drawing/2010/main" xmlns:m="http://schemas.openxmlformats.org/officeDocument/2006/math" xmlns="" val="1"/>
+              <ma14:wrappingTextBoxFlag xmlns="" xmlns:m="http://schemas.openxmlformats.org/officeDocument/2006/math" xmlns:a14="http://schemas.microsoft.com/office/drawing/2010/main" xmlns:ma14="http://schemas.microsoft.com/office/mac/drawingml/2011/main" val="1"/>
             </a:ext>
           </a:extLst>
         </p:spPr>
@@ -21094,7 +21099,7 @@
           </a:ln>
           <a:extLst>
             <a:ext uri="{C572A759-6A51-4108-AA02-DFA0A04FC94B}">
-              <ma14:wrappingTextBoxFlag xmlns:ma14="http://schemas.microsoft.com/office/mac/drawingml/2011/main" xmlns:a14="http://schemas.microsoft.com/office/drawing/2010/main" xmlns:m="http://schemas.openxmlformats.org/officeDocument/2006/math" xmlns="" val="1"/>
+              <ma14:wrappingTextBoxFlag xmlns="" xmlns:m="http://schemas.openxmlformats.org/officeDocument/2006/math" xmlns:a14="http://schemas.microsoft.com/office/drawing/2010/main" xmlns:ma14="http://schemas.microsoft.com/office/mac/drawingml/2011/main" val="1"/>
             </a:ext>
           </a:extLst>
         </p:spPr>
@@ -21146,7 +21151,7 @@
           </a:ln>
           <a:extLst>
             <a:ext uri="{C572A759-6A51-4108-AA02-DFA0A04FC94B}">
-              <ma14:wrappingTextBoxFlag xmlns:ma14="http://schemas.microsoft.com/office/mac/drawingml/2011/main" xmlns:a14="http://schemas.microsoft.com/office/drawing/2010/main" xmlns:m="http://schemas.openxmlformats.org/officeDocument/2006/math" xmlns="" val="1"/>
+              <ma14:wrappingTextBoxFlag xmlns="" xmlns:m="http://schemas.openxmlformats.org/officeDocument/2006/math" xmlns:a14="http://schemas.microsoft.com/office/drawing/2010/main" xmlns:ma14="http://schemas.microsoft.com/office/mac/drawingml/2011/main" val="1"/>
             </a:ext>
           </a:extLst>
         </p:spPr>
@@ -21193,7 +21198,7 @@
           </a:ln>
           <a:extLst>
             <a:ext uri="{C572A759-6A51-4108-AA02-DFA0A04FC94B}">
-              <ma14:wrappingTextBoxFlag xmlns:ma14="http://schemas.microsoft.com/office/mac/drawingml/2011/main" xmlns:a14="http://schemas.microsoft.com/office/drawing/2010/main" xmlns:m="http://schemas.openxmlformats.org/officeDocument/2006/math" xmlns="" val="1"/>
+              <ma14:wrappingTextBoxFlag xmlns="" xmlns:m="http://schemas.openxmlformats.org/officeDocument/2006/math" xmlns:a14="http://schemas.microsoft.com/office/drawing/2010/main" xmlns:ma14="http://schemas.microsoft.com/office/mac/drawingml/2011/main" val="1"/>
             </a:ext>
           </a:extLst>
         </p:spPr>
@@ -23084,7 +23089,7 @@
           </a:ln>
           <a:extLst>
             <a:ext uri="{C572A759-6A51-4108-AA02-DFA0A04FC94B}">
-              <ma14:wrappingTextBoxFlag xmlns:ma14="http://schemas.microsoft.com/office/mac/drawingml/2011/main" xmlns:a14="http://schemas.microsoft.com/office/drawing/2010/main" xmlns:m="http://schemas.openxmlformats.org/officeDocument/2006/math" xmlns="" val="1"/>
+              <ma14:wrappingTextBoxFlag xmlns="" xmlns:m="http://schemas.openxmlformats.org/officeDocument/2006/math" xmlns:a14="http://schemas.microsoft.com/office/drawing/2010/main" xmlns:ma14="http://schemas.microsoft.com/office/mac/drawingml/2011/main" val="1"/>
             </a:ext>
           </a:extLst>
         </p:spPr>
@@ -23218,7 +23223,7 @@
           </a:ln>
           <a:extLst>
             <a:ext uri="{C572A759-6A51-4108-AA02-DFA0A04FC94B}">
-              <ma14:wrappingTextBoxFlag xmlns:ma14="http://schemas.microsoft.com/office/mac/drawingml/2011/main" xmlns:a14="http://schemas.microsoft.com/office/drawing/2010/main" xmlns:m="http://schemas.openxmlformats.org/officeDocument/2006/math" xmlns="" val="1"/>
+              <ma14:wrappingTextBoxFlag xmlns="" xmlns:m="http://schemas.openxmlformats.org/officeDocument/2006/math" xmlns:a14="http://schemas.microsoft.com/office/drawing/2010/main" xmlns:ma14="http://schemas.microsoft.com/office/mac/drawingml/2011/main" val="1"/>
             </a:ext>
           </a:extLst>
         </p:spPr>
@@ -23262,7 +23267,7 @@
           </a:ln>
           <a:extLst>
             <a:ext uri="{C572A759-6A51-4108-AA02-DFA0A04FC94B}">
-              <ma14:wrappingTextBoxFlag xmlns:ma14="http://schemas.microsoft.com/office/mac/drawingml/2011/main" xmlns:a14="http://schemas.microsoft.com/office/drawing/2010/main" xmlns:m="http://schemas.openxmlformats.org/officeDocument/2006/math" xmlns="" val="1"/>
+              <ma14:wrappingTextBoxFlag xmlns="" xmlns:m="http://schemas.openxmlformats.org/officeDocument/2006/math" xmlns:a14="http://schemas.microsoft.com/office/drawing/2010/main" xmlns:ma14="http://schemas.microsoft.com/office/mac/drawingml/2011/main" val="1"/>
             </a:ext>
           </a:extLst>
         </p:spPr>
@@ -23412,7 +23417,7 @@
           </a:ln>
           <a:extLst>
             <a:ext uri="{C572A759-6A51-4108-AA02-DFA0A04FC94B}">
-              <ma14:wrappingTextBoxFlag xmlns:ma14="http://schemas.microsoft.com/office/mac/drawingml/2011/main" xmlns:a14="http://schemas.microsoft.com/office/drawing/2010/main" xmlns:m="http://schemas.openxmlformats.org/officeDocument/2006/math" xmlns="" val="1"/>
+              <ma14:wrappingTextBoxFlag xmlns="" xmlns:m="http://schemas.openxmlformats.org/officeDocument/2006/math" xmlns:a14="http://schemas.microsoft.com/office/drawing/2010/main" xmlns:ma14="http://schemas.microsoft.com/office/mac/drawingml/2011/main" val="1"/>
             </a:ext>
           </a:extLst>
         </p:spPr>
@@ -23459,7 +23464,7 @@
           </a:ln>
           <a:extLst>
             <a:ext uri="{C572A759-6A51-4108-AA02-DFA0A04FC94B}">
-              <ma14:wrappingTextBoxFlag xmlns:ma14="http://schemas.microsoft.com/office/mac/drawingml/2011/main" xmlns:a14="http://schemas.microsoft.com/office/drawing/2010/main" xmlns:m="http://schemas.openxmlformats.org/officeDocument/2006/math" xmlns="" val="1"/>
+              <ma14:wrappingTextBoxFlag xmlns="" xmlns:m="http://schemas.openxmlformats.org/officeDocument/2006/math" xmlns:a14="http://schemas.microsoft.com/office/drawing/2010/main" xmlns:ma14="http://schemas.microsoft.com/office/mac/drawingml/2011/main" val="1"/>
             </a:ext>
           </a:extLst>
         </p:spPr>
@@ -23506,7 +23511,7 @@
           </a:ln>
           <a:extLst>
             <a:ext uri="{C572A759-6A51-4108-AA02-DFA0A04FC94B}">
-              <ma14:wrappingTextBoxFlag xmlns:ma14="http://schemas.microsoft.com/office/mac/drawingml/2011/main" xmlns:a14="http://schemas.microsoft.com/office/drawing/2010/main" xmlns:m="http://schemas.openxmlformats.org/officeDocument/2006/math" xmlns="" val="1"/>
+              <ma14:wrappingTextBoxFlag xmlns="" xmlns:m="http://schemas.openxmlformats.org/officeDocument/2006/math" xmlns:a14="http://schemas.microsoft.com/office/drawing/2010/main" xmlns:ma14="http://schemas.microsoft.com/office/mac/drawingml/2011/main" val="1"/>
             </a:ext>
           </a:extLst>
         </p:spPr>
@@ -23709,7 +23714,7 @@
             <a:effectLst/>
             <a:extLst>
               <a:ext uri="{C572A759-6A51-4108-AA02-DFA0A04FC94B}">
-                <ma14:wrappingTextBoxFlag xmlns:ma14="http://schemas.microsoft.com/office/mac/drawingml/2011/main" xmlns:a14="http://schemas.microsoft.com/office/drawing/2010/main" xmlns:m="http://schemas.openxmlformats.org/officeDocument/2006/math" xmlns="" val="1"/>
+                <ma14:wrappingTextBoxFlag xmlns="" xmlns:m="http://schemas.openxmlformats.org/officeDocument/2006/math" xmlns:a14="http://schemas.microsoft.com/office/drawing/2010/main" xmlns:ma14="http://schemas.microsoft.com/office/mac/drawingml/2011/main" val="1"/>
               </a:ext>
             </a:extLst>
           </p:spPr>
@@ -23811,7 +23816,7 @@
             <a:effectLst/>
             <a:extLst>
               <a:ext uri="{C572A759-6A51-4108-AA02-DFA0A04FC94B}">
-                <ma14:wrappingTextBoxFlag xmlns:ma14="http://schemas.microsoft.com/office/mac/drawingml/2011/main" xmlns:a14="http://schemas.microsoft.com/office/drawing/2010/main" xmlns:m="http://schemas.openxmlformats.org/officeDocument/2006/math" xmlns="" val="1"/>
+                <ma14:wrappingTextBoxFlag xmlns="" xmlns:m="http://schemas.openxmlformats.org/officeDocument/2006/math" xmlns:a14="http://schemas.microsoft.com/office/drawing/2010/main" xmlns:ma14="http://schemas.microsoft.com/office/mac/drawingml/2011/main" val="1"/>
               </a:ext>
             </a:extLst>
           </p:spPr>
@@ -23925,7 +23930,7 @@
           </a:ln>
           <a:extLst>
             <a:ext uri="{C572A759-6A51-4108-AA02-DFA0A04FC94B}">
-              <ma14:wrappingTextBoxFlag xmlns:ma14="http://schemas.microsoft.com/office/mac/drawingml/2011/main" xmlns:a14="http://schemas.microsoft.com/office/drawing/2010/main" xmlns:m="http://schemas.openxmlformats.org/officeDocument/2006/math" xmlns="" val="1"/>
+              <ma14:wrappingTextBoxFlag xmlns="" xmlns:m="http://schemas.openxmlformats.org/officeDocument/2006/math" xmlns:a14="http://schemas.microsoft.com/office/drawing/2010/main" xmlns:ma14="http://schemas.microsoft.com/office/mac/drawingml/2011/main" val="1"/>
             </a:ext>
           </a:extLst>
         </p:spPr>
@@ -24452,7 +24457,7 @@
           </a:ln>
           <a:extLst>
             <a:ext uri="{C572A759-6A51-4108-AA02-DFA0A04FC94B}">
-              <ma14:wrappingTextBoxFlag xmlns:ma14="http://schemas.microsoft.com/office/mac/drawingml/2011/main" xmlns:a14="http://schemas.microsoft.com/office/drawing/2010/main" xmlns:m="http://schemas.openxmlformats.org/officeDocument/2006/math" xmlns="" val="1"/>
+              <ma14:wrappingTextBoxFlag xmlns="" xmlns:m="http://schemas.openxmlformats.org/officeDocument/2006/math" xmlns:a14="http://schemas.microsoft.com/office/drawing/2010/main" xmlns:ma14="http://schemas.microsoft.com/office/mac/drawingml/2011/main" val="1"/>
             </a:ext>
           </a:extLst>
         </p:spPr>
@@ -24496,7 +24501,7 @@
           </a:ln>
           <a:extLst>
             <a:ext uri="{C572A759-6A51-4108-AA02-DFA0A04FC94B}">
-              <ma14:wrappingTextBoxFlag xmlns:ma14="http://schemas.microsoft.com/office/mac/drawingml/2011/main" xmlns:a14="http://schemas.microsoft.com/office/drawing/2010/main" xmlns:m="http://schemas.openxmlformats.org/officeDocument/2006/math" xmlns="" val="1"/>
+              <ma14:wrappingTextBoxFlag xmlns="" xmlns:m="http://schemas.openxmlformats.org/officeDocument/2006/math" xmlns:a14="http://schemas.microsoft.com/office/drawing/2010/main" xmlns:ma14="http://schemas.microsoft.com/office/mac/drawingml/2011/main" val="1"/>
             </a:ext>
           </a:extLst>
         </p:spPr>
@@ -24761,7 +24766,7 @@
           </a:ln>
           <a:extLst>
             <a:ext uri="{C572A759-6A51-4108-AA02-DFA0A04FC94B}">
-              <ma14:wrappingTextBoxFlag xmlns:ma14="http://schemas.microsoft.com/office/mac/drawingml/2011/main" xmlns:a14="http://schemas.microsoft.com/office/drawing/2010/main" xmlns:m="http://schemas.openxmlformats.org/officeDocument/2006/math" xmlns="" val="1"/>
+              <ma14:wrappingTextBoxFlag xmlns="" xmlns:m="http://schemas.openxmlformats.org/officeDocument/2006/math" xmlns:a14="http://schemas.microsoft.com/office/drawing/2010/main" xmlns:ma14="http://schemas.microsoft.com/office/mac/drawingml/2011/main" val="1"/>
             </a:ext>
           </a:extLst>
         </p:spPr>
@@ -25025,7 +25030,7 @@
           </a:ln>
           <a:extLst>
             <a:ext uri="{C572A759-6A51-4108-AA02-DFA0A04FC94B}">
-              <ma14:wrappingTextBoxFlag xmlns:ma14="http://schemas.microsoft.com/office/mac/drawingml/2011/main" xmlns:a14="http://schemas.microsoft.com/office/drawing/2010/main" xmlns:m="http://schemas.openxmlformats.org/officeDocument/2006/math" xmlns="" val="1"/>
+              <ma14:wrappingTextBoxFlag xmlns="" xmlns:m="http://schemas.openxmlformats.org/officeDocument/2006/math" xmlns:a14="http://schemas.microsoft.com/office/drawing/2010/main" xmlns:ma14="http://schemas.microsoft.com/office/mac/drawingml/2011/main" val="1"/>
             </a:ext>
           </a:extLst>
         </p:spPr>
@@ -25461,7 +25466,7 @@
           </a:ln>
           <a:extLst>
             <a:ext uri="{C572A759-6A51-4108-AA02-DFA0A04FC94B}">
-              <ma14:wrappingTextBoxFlag xmlns:ma14="http://schemas.microsoft.com/office/mac/drawingml/2011/main" xmlns:a14="http://schemas.microsoft.com/office/drawing/2010/main" xmlns:m="http://schemas.openxmlformats.org/officeDocument/2006/math" xmlns="" val="1"/>
+              <ma14:wrappingTextBoxFlag xmlns="" xmlns:m="http://schemas.openxmlformats.org/officeDocument/2006/math" xmlns:a14="http://schemas.microsoft.com/office/drawing/2010/main" xmlns:ma14="http://schemas.microsoft.com/office/mac/drawingml/2011/main" val="1"/>
             </a:ext>
           </a:extLst>
         </p:spPr>
@@ -25508,7 +25513,7 @@
           </a:ln>
           <a:extLst>
             <a:ext uri="{C572A759-6A51-4108-AA02-DFA0A04FC94B}">
-              <ma14:wrappingTextBoxFlag xmlns:ma14="http://schemas.microsoft.com/office/mac/drawingml/2011/main" xmlns:a14="http://schemas.microsoft.com/office/drawing/2010/main" xmlns:m="http://schemas.openxmlformats.org/officeDocument/2006/math" xmlns="" val="1"/>
+              <ma14:wrappingTextBoxFlag xmlns="" xmlns:m="http://schemas.openxmlformats.org/officeDocument/2006/math" xmlns:a14="http://schemas.microsoft.com/office/drawing/2010/main" xmlns:ma14="http://schemas.microsoft.com/office/mac/drawingml/2011/main" val="1"/>
             </a:ext>
           </a:extLst>
         </p:spPr>
@@ -25673,7 +25678,16 @@
             </a:pPr>
             <a:r>
               <a:rPr lang="en-US" sz="1800" dirty="0"/>
-              <a:t>Applied to different data to help to understand how much data we have of each country              some countries provide much more data than others</a:t>
+              <a:t>Applied to different data to help to understand how much data we have of each country</a:t>
+            </a:r>
+          </a:p>
+          <a:p>
+            <a:pPr marL="0" indent="0" defTabSz="277748">
+              <a:defRPr sz="1800"/>
+            </a:pPr>
+            <a:r>
+              <a:rPr lang="en-US" sz="1800" dirty="0"/>
+              <a:t>                  some countries provide much more data than others</a:t>
             </a:r>
           </a:p>
           <a:p>
@@ -25712,7 +25726,7 @@
         </p:nvSpPr>
         <p:spPr>
           <a:xfrm>
-            <a:off x="1521619" y="2943226"/>
+            <a:off x="621507" y="2921795"/>
             <a:ext cx="578644" cy="45719"/>
           </a:xfrm>
           <a:prstGeom prst="rightArrow">
@@ -26034,7 +26048,7 @@
           </a:ln>
           <a:extLst>
             <a:ext uri="{C572A759-6A51-4108-AA02-DFA0A04FC94B}">
-              <ma14:wrappingTextBoxFlag xmlns:ma14="http://schemas.microsoft.com/office/mac/drawingml/2011/main" xmlns:a14="http://schemas.microsoft.com/office/drawing/2010/main" xmlns:m="http://schemas.openxmlformats.org/officeDocument/2006/math" xmlns="" val="1"/>
+              <ma14:wrappingTextBoxFlag xmlns="" xmlns:m="http://schemas.openxmlformats.org/officeDocument/2006/math" xmlns:a14="http://schemas.microsoft.com/office/drawing/2010/main" xmlns:ma14="http://schemas.microsoft.com/office/mac/drawingml/2011/main" val="1"/>
             </a:ext>
           </a:extLst>
         </p:spPr>
@@ -26584,7 +26598,7 @@
                   </a:schemeClr>
                 </a:solidFill>
               </a:rPr>
-              <a:t>: few data of Romania         undisclosed </a:t>
+              <a:t>: few data of Romania          undisclosed </a:t>
             </a:r>
           </a:p>
           <a:p>
@@ -26678,7 +26692,7 @@
         </p:nvSpPr>
         <p:spPr>
           <a:xfrm>
-            <a:off x="2221707" y="3757612"/>
+            <a:off x="2000243" y="3757612"/>
             <a:ext cx="385762" cy="45719"/>
           </a:xfrm>
           <a:prstGeom prst="rightArrow">
@@ -26770,7 +26784,7 @@
         </p:nvSpPr>
         <p:spPr>
           <a:xfrm>
-            <a:off x="3604808" y="4001215"/>
+            <a:off x="3304769" y="4001215"/>
             <a:ext cx="385762" cy="45719"/>
           </a:xfrm>
           <a:prstGeom prst="rightArrow">
@@ -27094,7 +27108,7 @@
           </a:ln>
           <a:extLst>
             <a:ext uri="{C572A759-6A51-4108-AA02-DFA0A04FC94B}">
-              <ma14:wrappingTextBoxFlag xmlns:ma14="http://schemas.microsoft.com/office/mac/drawingml/2011/main" xmlns:a14="http://schemas.microsoft.com/office/drawing/2010/main" xmlns:m="http://schemas.openxmlformats.org/officeDocument/2006/math" xmlns="" val="1"/>
+              <ma14:wrappingTextBoxFlag xmlns="" xmlns:m="http://schemas.openxmlformats.org/officeDocument/2006/math" xmlns:a14="http://schemas.microsoft.com/office/drawing/2010/main" xmlns:ma14="http://schemas.microsoft.com/office/mac/drawingml/2011/main" val="1"/>
             </a:ext>
           </a:extLst>
         </p:spPr>
@@ -27289,7 +27303,7 @@
                   </a:schemeClr>
                 </a:solidFill>
               </a:rPr>
-              <a:t>We made the view in one-page structure            make the comparison as efficient as possible</a:t>
+              <a:t>We made the view in one-page structure              make the comparison as efficient as possible</a:t>
             </a:r>
           </a:p>
           <a:p>
@@ -27324,7 +27338,7 @@
         </p:nvSpPr>
         <p:spPr>
           <a:xfrm>
-            <a:off x="5014912" y="1678781"/>
+            <a:off x="4707729" y="1678781"/>
             <a:ext cx="621507" cy="114300"/>
           </a:xfrm>
           <a:prstGeom prst="rightArrow">
@@ -27666,7 +27680,7 @@
           </a:ln>
           <a:extLst>
             <a:ext uri="{C572A759-6A51-4108-AA02-DFA0A04FC94B}">
-              <ma14:wrappingTextBoxFlag xmlns:ma14="http://schemas.microsoft.com/office/mac/drawingml/2011/main" xmlns:a14="http://schemas.microsoft.com/office/drawing/2010/main" xmlns:m="http://schemas.openxmlformats.org/officeDocument/2006/math" xmlns="" val="1"/>
+              <ma14:wrappingTextBoxFlag xmlns="" xmlns:m="http://schemas.openxmlformats.org/officeDocument/2006/math" xmlns:a14="http://schemas.microsoft.com/office/drawing/2010/main" xmlns:ma14="http://schemas.microsoft.com/office/mac/drawingml/2011/main" val="1"/>
             </a:ext>
           </a:extLst>
         </p:spPr>
@@ -27755,7 +27769,7 @@
           </a:ln>
           <a:extLst>
             <a:ext uri="{C572A759-6A51-4108-AA02-DFA0A04FC94B}">
-              <ma14:wrappingTextBoxFlag xmlns:ma14="http://schemas.microsoft.com/office/mac/drawingml/2011/main" xmlns:a14="http://schemas.microsoft.com/office/drawing/2010/main" xmlns:m="http://schemas.openxmlformats.org/officeDocument/2006/math" xmlns="" val="1"/>
+              <ma14:wrappingTextBoxFlag xmlns="" xmlns:m="http://schemas.openxmlformats.org/officeDocument/2006/math" xmlns:a14="http://schemas.microsoft.com/office/drawing/2010/main" xmlns:ma14="http://schemas.microsoft.com/office/mac/drawingml/2011/main" val="1"/>
             </a:ext>
           </a:extLst>
         </p:spPr>
@@ -27802,7 +27816,7 @@
           </a:ln>
           <a:extLst>
             <a:ext uri="{C572A759-6A51-4108-AA02-DFA0A04FC94B}">
-              <ma14:wrappingTextBoxFlag xmlns:ma14="http://schemas.microsoft.com/office/mac/drawingml/2011/main" xmlns:a14="http://schemas.microsoft.com/office/drawing/2010/main" xmlns:m="http://schemas.openxmlformats.org/officeDocument/2006/math" xmlns="" val="1"/>
+              <ma14:wrappingTextBoxFlag xmlns="" xmlns:m="http://schemas.openxmlformats.org/officeDocument/2006/math" xmlns:a14="http://schemas.microsoft.com/office/drawing/2010/main" xmlns:ma14="http://schemas.microsoft.com/office/mac/drawingml/2011/main" val="1"/>
             </a:ext>
           </a:extLst>
         </p:spPr>
@@ -27854,7 +27868,7 @@
           </a:ln>
           <a:extLst>
             <a:ext uri="{C572A759-6A51-4108-AA02-DFA0A04FC94B}">
-              <ma14:wrappingTextBoxFlag xmlns:ma14="http://schemas.microsoft.com/office/mac/drawingml/2011/main" xmlns:a14="http://schemas.microsoft.com/office/drawing/2010/main" xmlns:m="http://schemas.openxmlformats.org/officeDocument/2006/math" xmlns="" val="1"/>
+              <ma14:wrappingTextBoxFlag xmlns="" xmlns:m="http://schemas.openxmlformats.org/officeDocument/2006/math" xmlns:a14="http://schemas.microsoft.com/office/drawing/2010/main" xmlns:ma14="http://schemas.microsoft.com/office/mac/drawingml/2011/main" val="1"/>
             </a:ext>
           </a:extLst>
         </p:spPr>
@@ -27901,7 +27915,7 @@
           </a:ln>
           <a:extLst>
             <a:ext uri="{C572A759-6A51-4108-AA02-DFA0A04FC94B}">
-              <ma14:wrappingTextBoxFlag xmlns:ma14="http://schemas.microsoft.com/office/mac/drawingml/2011/main" xmlns:a14="http://schemas.microsoft.com/office/drawing/2010/main" xmlns:m="http://schemas.openxmlformats.org/officeDocument/2006/math" xmlns="" val="1"/>
+              <ma14:wrappingTextBoxFlag xmlns="" xmlns:m="http://schemas.openxmlformats.org/officeDocument/2006/math" xmlns:a14="http://schemas.microsoft.com/office/drawing/2010/main" xmlns:ma14="http://schemas.microsoft.com/office/mac/drawingml/2011/main" val="1"/>
             </a:ext>
           </a:extLst>
         </p:spPr>
@@ -27970,7 +27984,7 @@
           </a:ln>
           <a:extLst>
             <a:ext uri="{C572A759-6A51-4108-AA02-DFA0A04FC94B}">
-              <ma14:wrappingTextBoxFlag xmlns:ma14="http://schemas.microsoft.com/office/mac/drawingml/2011/main" xmlns:a14="http://schemas.microsoft.com/office/drawing/2010/main" xmlns:m="http://schemas.openxmlformats.org/officeDocument/2006/math" xmlns="" val="1"/>
+              <ma14:wrappingTextBoxFlag xmlns="" xmlns:m="http://schemas.openxmlformats.org/officeDocument/2006/math" xmlns:a14="http://schemas.microsoft.com/office/drawing/2010/main" xmlns:ma14="http://schemas.microsoft.com/office/mac/drawingml/2011/main" val="1"/>
             </a:ext>
           </a:extLst>
         </p:spPr>
@@ -28017,7 +28031,7 @@
           </a:ln>
           <a:extLst>
             <a:ext uri="{C572A759-6A51-4108-AA02-DFA0A04FC94B}">
-              <ma14:wrappingTextBoxFlag xmlns:ma14="http://schemas.microsoft.com/office/mac/drawingml/2011/main" xmlns:a14="http://schemas.microsoft.com/office/drawing/2010/main" xmlns:m="http://schemas.openxmlformats.org/officeDocument/2006/math" xmlns="" val="1"/>
+              <ma14:wrappingTextBoxFlag xmlns="" xmlns:m="http://schemas.openxmlformats.org/officeDocument/2006/math" xmlns:a14="http://schemas.microsoft.com/office/drawing/2010/main" xmlns:ma14="http://schemas.microsoft.com/office/mac/drawingml/2011/main" val="1"/>
             </a:ext>
           </a:extLst>
         </p:spPr>
@@ -28134,7 +28148,7 @@
           </a:ln>
           <a:extLst>
             <a:ext uri="{C572A759-6A51-4108-AA02-DFA0A04FC94B}">
-              <ma14:wrappingTextBoxFlag xmlns:ma14="http://schemas.microsoft.com/office/mac/drawingml/2011/main" xmlns:a14="http://schemas.microsoft.com/office/drawing/2010/main" xmlns:m="http://schemas.openxmlformats.org/officeDocument/2006/math" xmlns="" val="1"/>
+              <ma14:wrappingTextBoxFlag xmlns="" xmlns:m="http://schemas.openxmlformats.org/officeDocument/2006/math" xmlns:a14="http://schemas.microsoft.com/office/drawing/2010/main" xmlns:ma14="http://schemas.microsoft.com/office/mac/drawingml/2011/main" val="1"/>
             </a:ext>
           </a:extLst>
         </p:spPr>
@@ -28181,7 +28195,7 @@
           </a:ln>
           <a:extLst>
             <a:ext uri="{C572A759-6A51-4108-AA02-DFA0A04FC94B}">
-              <ma14:wrappingTextBoxFlag xmlns:ma14="http://schemas.microsoft.com/office/mac/drawingml/2011/main" xmlns:a14="http://schemas.microsoft.com/office/drawing/2010/main" xmlns:m="http://schemas.openxmlformats.org/officeDocument/2006/math" xmlns="" val="1"/>
+              <ma14:wrappingTextBoxFlag xmlns="" xmlns:m="http://schemas.openxmlformats.org/officeDocument/2006/math" xmlns:a14="http://schemas.microsoft.com/office/drawing/2010/main" xmlns:ma14="http://schemas.microsoft.com/office/mac/drawingml/2011/main" val="1"/>
             </a:ext>
           </a:extLst>
         </p:spPr>
@@ -28345,7 +28359,7 @@
           </a:ln>
           <a:extLst>
             <a:ext uri="{C572A759-6A51-4108-AA02-DFA0A04FC94B}">
-              <ma14:wrappingTextBoxFlag xmlns:ma14="http://schemas.microsoft.com/office/mac/drawingml/2011/main" xmlns:a14="http://schemas.microsoft.com/office/drawing/2010/main" xmlns:m="http://schemas.openxmlformats.org/officeDocument/2006/math" xmlns="" val="1"/>
+              <ma14:wrappingTextBoxFlag xmlns="" xmlns:m="http://schemas.openxmlformats.org/officeDocument/2006/math" xmlns:a14="http://schemas.microsoft.com/office/drawing/2010/main" xmlns:ma14="http://schemas.microsoft.com/office/mac/drawingml/2011/main" val="1"/>
             </a:ext>
           </a:extLst>
         </p:spPr>
@@ -28392,7 +28406,7 @@
           </a:ln>
           <a:extLst>
             <a:ext uri="{C572A759-6A51-4108-AA02-DFA0A04FC94B}">
-              <ma14:wrappingTextBoxFlag xmlns:ma14="http://schemas.microsoft.com/office/mac/drawingml/2011/main" xmlns:a14="http://schemas.microsoft.com/office/drawing/2010/main" xmlns:m="http://schemas.openxmlformats.org/officeDocument/2006/math" xmlns="" val="1"/>
+              <ma14:wrappingTextBoxFlag xmlns="" xmlns:m="http://schemas.openxmlformats.org/officeDocument/2006/math" xmlns:a14="http://schemas.microsoft.com/office/drawing/2010/main" xmlns:ma14="http://schemas.microsoft.com/office/mac/drawingml/2011/main" val="1"/>
             </a:ext>
           </a:extLst>
         </p:spPr>
@@ -28858,7 +28872,7 @@
           </a:ln>
           <a:extLst>
             <a:ext uri="{C572A759-6A51-4108-AA02-DFA0A04FC94B}">
-              <ma14:wrappingTextBoxFlag xmlns:ma14="http://schemas.microsoft.com/office/mac/drawingml/2011/main" xmlns:a14="http://schemas.microsoft.com/office/drawing/2010/main" xmlns:m="http://schemas.openxmlformats.org/officeDocument/2006/math" xmlns="" val="1"/>
+              <ma14:wrappingTextBoxFlag xmlns="" xmlns:m="http://schemas.openxmlformats.org/officeDocument/2006/math" xmlns:a14="http://schemas.microsoft.com/office/drawing/2010/main" xmlns:ma14="http://schemas.microsoft.com/office/mac/drawingml/2011/main" val="1"/>
             </a:ext>
           </a:extLst>
         </p:spPr>
@@ -28905,7 +28919,7 @@
           </a:ln>
           <a:extLst>
             <a:ext uri="{C572A759-6A51-4108-AA02-DFA0A04FC94B}">
-              <ma14:wrappingTextBoxFlag xmlns:ma14="http://schemas.microsoft.com/office/mac/drawingml/2011/main" xmlns:a14="http://schemas.microsoft.com/office/drawing/2010/main" xmlns:m="http://schemas.openxmlformats.org/officeDocument/2006/math" xmlns="" val="1"/>
+              <ma14:wrappingTextBoxFlag xmlns="" xmlns:m="http://schemas.openxmlformats.org/officeDocument/2006/math" xmlns:a14="http://schemas.microsoft.com/office/drawing/2010/main" xmlns:ma14="http://schemas.microsoft.com/office/mac/drawingml/2011/main" val="1"/>
             </a:ext>
           </a:extLst>
         </p:spPr>
@@ -29107,7 +29121,7 @@
           </a:ln>
           <a:extLst>
             <a:ext uri="{C572A759-6A51-4108-AA02-DFA0A04FC94B}">
-              <ma14:wrappingTextBoxFlag xmlns:ma14="http://schemas.microsoft.com/office/mac/drawingml/2011/main" xmlns:a14="http://schemas.microsoft.com/office/drawing/2010/main" xmlns:m="http://schemas.openxmlformats.org/officeDocument/2006/math" xmlns="" val="1"/>
+              <ma14:wrappingTextBoxFlag xmlns="" xmlns:m="http://schemas.openxmlformats.org/officeDocument/2006/math" xmlns:a14="http://schemas.microsoft.com/office/drawing/2010/main" xmlns:ma14="http://schemas.microsoft.com/office/mac/drawingml/2011/main" val="1"/>
             </a:ext>
           </a:extLst>
         </p:spPr>
@@ -29154,7 +29168,7 @@
           </a:ln>
           <a:extLst>
             <a:ext uri="{C572A759-6A51-4108-AA02-DFA0A04FC94B}">
-              <ma14:wrappingTextBoxFlag xmlns:ma14="http://schemas.microsoft.com/office/mac/drawingml/2011/main" xmlns:a14="http://schemas.microsoft.com/office/drawing/2010/main" xmlns:m="http://schemas.openxmlformats.org/officeDocument/2006/math" xmlns="" val="1"/>
+              <ma14:wrappingTextBoxFlag xmlns="" xmlns:m="http://schemas.openxmlformats.org/officeDocument/2006/math" xmlns:a14="http://schemas.microsoft.com/office/drawing/2010/main" xmlns:ma14="http://schemas.microsoft.com/office/mac/drawingml/2011/main" val="1"/>
             </a:ext>
           </a:extLst>
         </p:spPr>
@@ -29201,7 +29215,7 @@
           </a:ln>
           <a:extLst>
             <a:ext uri="{C572A759-6A51-4108-AA02-DFA0A04FC94B}">
-              <ma14:wrappingTextBoxFlag xmlns:ma14="http://schemas.microsoft.com/office/mac/drawingml/2011/main" xmlns:a14="http://schemas.microsoft.com/office/drawing/2010/main" xmlns:m="http://schemas.openxmlformats.org/officeDocument/2006/math" xmlns="" val="1"/>
+              <ma14:wrappingTextBoxFlag xmlns="" xmlns:m="http://schemas.openxmlformats.org/officeDocument/2006/math" xmlns:a14="http://schemas.microsoft.com/office/drawing/2010/main" xmlns:ma14="http://schemas.microsoft.com/office/mac/drawingml/2011/main" val="1"/>
             </a:ext>
           </a:extLst>
         </p:spPr>
